--- a/Textbooks/Emmy Noether.pptx
+++ b/Textbooks/Emmy Noether.pptx
@@ -505,44 +505,26 @@
               <a:t># Name</a:t>
             </a:r>
             <a:br/>
-            <a:br/>
             <a:r>
               <a:t>Emmy Noether</a:t>
             </a:r>
             <a:br/>
             <a:br/>
             <a:r>
-              <a:t>  </a:t>
+              <a:t># Textbook</a:t>
+            </a:r>
+            <a:br/>
+            <a:r>
+              <a:t>Knight, Physics for Scientists and Engineers: A Strategic Approach with Modern Physics, 3rd Edition, Chapter 10</a:t>
             </a:r>
             <a:br/>
             <a:br/>
             <a:r>
-              <a:t># Textbook</a:t>
+              <a:t># Contributor</a:t>
             </a:r>
             <a:br/>
-            <a:br/>
-            <a:r>
-              <a:t>Knight, 3rd edition, Chapter 10</a:t>
-            </a:r>
-            <a:br/>
-            <a:br/>
-            <a:r>
-              <a:t>  </a:t>
-            </a:r>
-            <a:br/>
-            <a:br/>
-            <a:r>
-              <a:t># Contributor</a:t>
-            </a:r>
-            <a:br/>
-            <a:br/>
             <a:r>
               <a:t>Mai Hoang</a:t>
-            </a:r>
-            <a:br/>
-            <a:br/>
-            <a:r>
-              <a:t>  </a:t>
             </a:r>
             <a:br/>
             <a:br/>

--- a/Textbooks/Emmy Noether.pptx
+++ b/Textbooks/Emmy Noether.pptx
@@ -515,7 +515,11 @@
             </a:r>
             <a:br/>
             <a:r>
-              <a:t>Knight, Physics for Scientists and Engineers: A Strategic Approach with Modern Physics, 3rd Edition, Chapter 10</a:t>
+              <a:t>Knight, Physics for Scientists and Engineers: A Strategic Approach with Modern Physics, 3rd Edition, Chapter 9</a:t>
+            </a:r>
+            <a:br/>
+            <a:r>
+              <a:t>Knight, Physics for Scientists and Engineers: A Strategic Approach with Modern Physics, 3rd Edition, Chapter 10 </a:t>
             </a:r>
             <a:br/>
             <a:br/>
@@ -616,7 +620,6 @@
               <a:t># Sources</a:t>
             </a:r>
             <a:br/>
-            <a:br/>
             <a:r>
               <a:t>https://en.wikipedia.org/wiki/Emmy_Noether</a:t>
             </a:r>
@@ -630,7 +633,6 @@
             <a:r>
               <a:t># Photo</a:t>
             </a:r>
-            <a:br/>
             <a:br/>
             <a:r>
               <a:t>https://upload.wikimedia.org/wikipedia/commons/thumb/e/e5/Noether.jpg/330px-Noether.jpg</a:t>
